--- a/doc/게임기능(김민준)/화면설계서_게임기능(김민준).pptx
+++ b/doc/게임기능(김민준)/화면설계서_게임기능(김민준).pptx
@@ -7,8 +7,6 @@
   <p:sldIdLst>
     <p:sldId id="256" r:id="rId2"/>
     <p:sldId id="257" r:id="rId3"/>
-    <p:sldId id="258" r:id="rId4"/>
-    <p:sldId id="259" r:id="rId5"/>
   </p:sldIdLst>
   <p:sldSz cx="12192000" cy="6858000"/>
   <p:notesSz cx="6858000" cy="9144000"/>
@@ -262,7 +260,7 @@
           <a:p>
             <a:fld id="{9074BD7F-5C0F-465C-A891-F87FEF347ABB}" type="datetimeFigureOut">
               <a:rPr lang="ko-KR" altLang="en-US" smtClean="0"/>
-              <a:t>2024-10-17</a:t>
+              <a:t>2024-10-18</a:t>
             </a:fld>
             <a:endParaRPr lang="ko-KR" altLang="en-US"/>
           </a:p>
@@ -460,7 +458,7 @@
           <a:p>
             <a:fld id="{9074BD7F-5C0F-465C-A891-F87FEF347ABB}" type="datetimeFigureOut">
               <a:rPr lang="ko-KR" altLang="en-US" smtClean="0"/>
-              <a:t>2024-10-17</a:t>
+              <a:t>2024-10-18</a:t>
             </a:fld>
             <a:endParaRPr lang="ko-KR" altLang="en-US"/>
           </a:p>
@@ -668,7 +666,7 @@
           <a:p>
             <a:fld id="{9074BD7F-5C0F-465C-A891-F87FEF347ABB}" type="datetimeFigureOut">
               <a:rPr lang="ko-KR" altLang="en-US" smtClean="0"/>
-              <a:t>2024-10-17</a:t>
+              <a:t>2024-10-18</a:t>
             </a:fld>
             <a:endParaRPr lang="ko-KR" altLang="en-US"/>
           </a:p>
@@ -866,7 +864,7 @@
           <a:p>
             <a:fld id="{9074BD7F-5C0F-465C-A891-F87FEF347ABB}" type="datetimeFigureOut">
               <a:rPr lang="ko-KR" altLang="en-US" smtClean="0"/>
-              <a:t>2024-10-17</a:t>
+              <a:t>2024-10-18</a:t>
             </a:fld>
             <a:endParaRPr lang="ko-KR" altLang="en-US"/>
           </a:p>
@@ -1141,7 +1139,7 @@
           <a:p>
             <a:fld id="{9074BD7F-5C0F-465C-A891-F87FEF347ABB}" type="datetimeFigureOut">
               <a:rPr lang="ko-KR" altLang="en-US" smtClean="0"/>
-              <a:t>2024-10-17</a:t>
+              <a:t>2024-10-18</a:t>
             </a:fld>
             <a:endParaRPr lang="ko-KR" altLang="en-US"/>
           </a:p>
@@ -1406,7 +1404,7 @@
           <a:p>
             <a:fld id="{9074BD7F-5C0F-465C-A891-F87FEF347ABB}" type="datetimeFigureOut">
               <a:rPr lang="ko-KR" altLang="en-US" smtClean="0"/>
-              <a:t>2024-10-17</a:t>
+              <a:t>2024-10-18</a:t>
             </a:fld>
             <a:endParaRPr lang="ko-KR" altLang="en-US"/>
           </a:p>
@@ -1818,7 +1816,7 @@
           <a:p>
             <a:fld id="{9074BD7F-5C0F-465C-A891-F87FEF347ABB}" type="datetimeFigureOut">
               <a:rPr lang="ko-KR" altLang="en-US" smtClean="0"/>
-              <a:t>2024-10-17</a:t>
+              <a:t>2024-10-18</a:t>
             </a:fld>
             <a:endParaRPr lang="ko-KR" altLang="en-US"/>
           </a:p>
@@ -1959,7 +1957,7 @@
           <a:p>
             <a:fld id="{9074BD7F-5C0F-465C-A891-F87FEF347ABB}" type="datetimeFigureOut">
               <a:rPr lang="ko-KR" altLang="en-US" smtClean="0"/>
-              <a:t>2024-10-17</a:t>
+              <a:t>2024-10-18</a:t>
             </a:fld>
             <a:endParaRPr lang="ko-KR" altLang="en-US"/>
           </a:p>
@@ -2072,7 +2070,7 @@
           <a:p>
             <a:fld id="{9074BD7F-5C0F-465C-A891-F87FEF347ABB}" type="datetimeFigureOut">
               <a:rPr lang="ko-KR" altLang="en-US" smtClean="0"/>
-              <a:t>2024-10-17</a:t>
+              <a:t>2024-10-18</a:t>
             </a:fld>
             <a:endParaRPr lang="ko-KR" altLang="en-US"/>
           </a:p>
@@ -2383,7 +2381,7 @@
           <a:p>
             <a:fld id="{9074BD7F-5C0F-465C-A891-F87FEF347ABB}" type="datetimeFigureOut">
               <a:rPr lang="ko-KR" altLang="en-US" smtClean="0"/>
-              <a:t>2024-10-17</a:t>
+              <a:t>2024-10-18</a:t>
             </a:fld>
             <a:endParaRPr lang="ko-KR" altLang="en-US"/>
           </a:p>
@@ -2671,7 +2669,7 @@
           <a:p>
             <a:fld id="{9074BD7F-5C0F-465C-A891-F87FEF347ABB}" type="datetimeFigureOut">
               <a:rPr lang="ko-KR" altLang="en-US" smtClean="0"/>
-              <a:t>2024-10-17</a:t>
+              <a:t>2024-10-18</a:t>
             </a:fld>
             <a:endParaRPr lang="ko-KR" altLang="en-US"/>
           </a:p>
@@ -2912,7 +2910,7 @@
           <a:p>
             <a:fld id="{9074BD7F-5C0F-465C-A891-F87FEF347ABB}" type="datetimeFigureOut">
               <a:rPr lang="ko-KR" altLang="en-US" smtClean="0"/>
-              <a:t>2024-10-17</a:t>
+              <a:t>2024-10-18</a:t>
             </a:fld>
             <a:endParaRPr lang="ko-KR" altLang="en-US"/>
           </a:p>
@@ -3383,8 +3381,12 @@
           <a:lstStyle/>
           <a:p>
             <a:r>
+              <a:rPr lang="ko-KR" altLang="en-US" dirty="0" err="1"/>
+              <a:t>드론</a:t>
+            </a:r>
+            <a:r>
               <a:rPr lang="ko-KR" altLang="en-US" dirty="0"/>
-              <a:t>전체 화면</a:t>
+              <a:t> 기능</a:t>
             </a:r>
           </a:p>
         </p:txBody>
@@ -3540,293 +3542,21 @@
               <a:t>M.001 </a:t>
             </a:r>
             <a:r>
+              <a:rPr lang="ko-KR" altLang="en-US" sz="3200" dirty="0" err="1">
+                <a:solidFill>
+                  <a:schemeClr val="tx1"/>
+                </a:solidFill>
+              </a:rPr>
+              <a:t>드론</a:t>
+            </a:r>
+            <a:r>
               <a:rPr lang="ko-KR" altLang="en-US" sz="3200" dirty="0">
                 <a:solidFill>
                   <a:schemeClr val="tx1"/>
                 </a:solidFill>
               </a:rPr>
-              <a:t>메인 화면</a:t>
-            </a:r>
-          </a:p>
-        </p:txBody>
-      </p:sp>
-      <p:sp>
-        <p:nvSpPr>
-          <p:cNvPr id="6" name="TextBox 5">
-            <a:extLst>
-              <a:ext uri="{FF2B5EF4-FFF2-40B4-BE49-F238E27FC236}">
-                <a16:creationId xmlns:a16="http://schemas.microsoft.com/office/drawing/2014/main" id="{6BDFCE3C-F02A-483D-B18B-89221DA60F6B}"/>
-              </a:ext>
-            </a:extLst>
-          </p:cNvPr>
-          <p:cNvSpPr txBox="1"/>
-          <p:nvPr/>
-        </p:nvSpPr>
-        <p:spPr>
-          <a:xfrm>
-            <a:off x="9303026" y="946298"/>
-            <a:ext cx="2459328" cy="1477328"/>
-          </a:xfrm>
-          <a:prstGeom prst="rect">
-            <a:avLst/>
-          </a:prstGeom>
-          <a:noFill/>
-        </p:spPr>
-        <p:txBody>
-          <a:bodyPr wrap="none" rtlCol="0">
-            <a:spAutoFit/>
-          </a:bodyPr>
-          <a:lstStyle/>
-          <a:p>
-            <a:pPr marL="342900" indent="-342900">
-              <a:buAutoNum type="arabicPeriod"/>
-            </a:pPr>
-            <a:r>
-              <a:rPr lang="ko-KR" altLang="en-US" dirty="0">
-                <a:solidFill>
-                  <a:srgbClr val="FF0000"/>
-                </a:solidFill>
-              </a:rPr>
-              <a:t>준비화면으로 이동</a:t>
-            </a:r>
-            <a:endParaRPr lang="en-US" altLang="ko-KR" dirty="0">
-              <a:solidFill>
-                <a:srgbClr val="FF0000"/>
-              </a:solidFill>
-            </a:endParaRPr>
-          </a:p>
-          <a:p>
-            <a:pPr marL="342900" indent="-342900">
-              <a:buAutoNum type="arabicPeriod"/>
-            </a:pPr>
-            <a:endParaRPr lang="en-US" altLang="ko-KR" dirty="0">
-              <a:solidFill>
-                <a:srgbClr val="FF0000"/>
-              </a:solidFill>
-            </a:endParaRPr>
-          </a:p>
-          <a:p>
-            <a:pPr marL="342900" indent="-342900">
-              <a:buAutoNum type="arabicPeriod"/>
-            </a:pPr>
-            <a:r>
-              <a:rPr lang="ko-KR" altLang="en-US" dirty="0">
-                <a:solidFill>
-                  <a:srgbClr val="FF0000"/>
-                </a:solidFill>
-              </a:rPr>
-              <a:t>설정화면으로 이동</a:t>
-            </a:r>
-            <a:endParaRPr lang="en-US" altLang="ko-KR" dirty="0">
-              <a:solidFill>
-                <a:srgbClr val="FF0000"/>
-              </a:solidFill>
-            </a:endParaRPr>
-          </a:p>
-          <a:p>
-            <a:pPr marL="342900" indent="-342900">
-              <a:buAutoNum type="arabicPeriod"/>
-            </a:pPr>
-            <a:endParaRPr lang="en-US" altLang="ko-KR" dirty="0">
-              <a:solidFill>
-                <a:srgbClr val="FF0000"/>
-              </a:solidFill>
-            </a:endParaRPr>
-          </a:p>
-          <a:p>
-            <a:pPr marL="342900" indent="-342900">
-              <a:buAutoNum type="arabicPeriod"/>
-            </a:pPr>
-            <a:r>
-              <a:rPr lang="ko-KR" altLang="en-US" dirty="0">
-                <a:solidFill>
-                  <a:srgbClr val="FF0000"/>
-                </a:solidFill>
-              </a:rPr>
-              <a:t>종료 </a:t>
-            </a:r>
-            <a:r>
-              <a:rPr lang="ko-KR" altLang="en-US" dirty="0" err="1">
-                <a:solidFill>
-                  <a:srgbClr val="FF0000"/>
-                </a:solidFill>
-              </a:rPr>
-              <a:t>팝업창</a:t>
-            </a:r>
-            <a:r>
-              <a:rPr lang="ko-KR" altLang="en-US" dirty="0">
-                <a:solidFill>
-                  <a:srgbClr val="FF0000"/>
-                </a:solidFill>
-              </a:rPr>
-              <a:t> 생성</a:t>
-            </a:r>
-          </a:p>
-        </p:txBody>
-      </p:sp>
-    </p:spTree>
-    <p:extLst>
-      <p:ext uri="{BB962C8B-B14F-4D97-AF65-F5344CB8AC3E}">
-        <p14:creationId xmlns:p14="http://schemas.microsoft.com/office/powerpoint/2010/main" val="1528453822"/>
-      </p:ext>
-    </p:extLst>
-  </p:cSld>
-  <p:clrMapOvr>
-    <a:masterClrMapping/>
-  </p:clrMapOvr>
-</p:sld>
-</file>
-
-<file path=ppt/slides/slide3.xml><?xml version="1.0" encoding="utf-8"?>
-<p:sld xmlns:a="http://schemas.openxmlformats.org/drawingml/2006/main" xmlns:r="http://schemas.openxmlformats.org/officeDocument/2006/relationships" xmlns:p="http://schemas.openxmlformats.org/presentationml/2006/main">
-  <p:cSld>
-    <p:spTree>
-      <p:nvGrpSpPr>
-        <p:cNvPr id="1" name=""/>
-        <p:cNvGrpSpPr/>
-        <p:nvPr/>
-      </p:nvGrpSpPr>
-      <p:grpSpPr>
-        <a:xfrm>
-          <a:off x="0" y="0"/>
-          <a:ext cx="0" cy="0"/>
-          <a:chOff x="0" y="0"/>
-          <a:chExt cx="0" cy="0"/>
-        </a:xfrm>
-      </p:grpSpPr>
-      <p:sp>
-        <p:nvSpPr>
-          <p:cNvPr id="4" name="직사각형 3">
-            <a:extLst>
-              <a:ext uri="{FF2B5EF4-FFF2-40B4-BE49-F238E27FC236}">
-                <a16:creationId xmlns:a16="http://schemas.microsoft.com/office/drawing/2014/main" id="{AB82F29E-6727-4232-9750-081ACD31342C}"/>
-              </a:ext>
-            </a:extLst>
-          </p:cNvPr>
-          <p:cNvSpPr/>
-          <p:nvPr/>
-        </p:nvSpPr>
-        <p:spPr>
-          <a:xfrm>
-            <a:off x="9303026" y="842481"/>
-            <a:ext cx="2888974" cy="6015519"/>
-          </a:xfrm>
-          <a:prstGeom prst="rect">
-            <a:avLst/>
-          </a:prstGeom>
-          <a:noFill/>
-          <a:ln>
-            <a:solidFill>
-              <a:schemeClr val="tx1"/>
-            </a:solidFill>
-          </a:ln>
-        </p:spPr>
-        <p:style>
-          <a:lnRef idx="2">
-            <a:schemeClr val="accent1">
-              <a:shade val="50000"/>
-            </a:schemeClr>
-          </a:lnRef>
-          <a:fillRef idx="1">
-            <a:schemeClr val="accent1"/>
-          </a:fillRef>
-          <a:effectRef idx="0">
-            <a:schemeClr val="accent1"/>
-          </a:effectRef>
-          <a:fontRef idx="minor">
-            <a:schemeClr val="lt1"/>
-          </a:fontRef>
-        </p:style>
-        <p:txBody>
-          <a:bodyPr rtlCol="0" anchor="b"/>
-          <a:lstStyle/>
-          <a:p>
-            <a:pPr algn="l">
-              <a:lnSpc>
-                <a:spcPct val="200000"/>
-              </a:lnSpc>
-            </a:pPr>
-            <a:endParaRPr lang="ko-KR" altLang="en-US" dirty="0">
-              <a:solidFill>
-                <a:schemeClr val="tx1"/>
-              </a:solidFill>
-            </a:endParaRPr>
-          </a:p>
-        </p:txBody>
-      </p:sp>
-      <p:sp>
-        <p:nvSpPr>
-          <p:cNvPr id="5" name="직사각형 4">
-            <a:extLst>
-              <a:ext uri="{FF2B5EF4-FFF2-40B4-BE49-F238E27FC236}">
-                <a16:creationId xmlns:a16="http://schemas.microsoft.com/office/drawing/2014/main" id="{9D98C250-4997-4443-A17C-CD58BC4CA7A8}"/>
-              </a:ext>
-            </a:extLst>
-          </p:cNvPr>
-          <p:cNvSpPr/>
-          <p:nvPr/>
-        </p:nvSpPr>
-        <p:spPr>
-          <a:xfrm>
-            <a:off x="0" y="0"/>
-            <a:ext cx="12192000" cy="842481"/>
-          </a:xfrm>
-          <a:prstGeom prst="rect">
-            <a:avLst/>
-          </a:prstGeom>
-          <a:noFill/>
-          <a:ln>
-            <a:solidFill>
-              <a:schemeClr val="tx1"/>
-            </a:solidFill>
-          </a:ln>
-        </p:spPr>
-        <p:style>
-          <a:lnRef idx="2">
-            <a:schemeClr val="accent1">
-              <a:shade val="50000"/>
-            </a:schemeClr>
-          </a:lnRef>
-          <a:fillRef idx="1">
-            <a:schemeClr val="accent1"/>
-          </a:fillRef>
-          <a:effectRef idx="0">
-            <a:schemeClr val="accent1"/>
-          </a:effectRef>
-          <a:fontRef idx="minor">
-            <a:schemeClr val="lt1"/>
-          </a:fontRef>
-        </p:style>
-        <p:txBody>
-          <a:bodyPr rtlCol="0" anchor="b"/>
-          <a:lstStyle/>
-          <a:p>
-            <a:pPr algn="l">
-              <a:lnSpc>
-                <a:spcPct val="150000"/>
-              </a:lnSpc>
-            </a:pPr>
-            <a:r>
-              <a:rPr lang="en-US" altLang="ko-KR" sz="3200" dirty="0">
-                <a:solidFill>
-                  <a:schemeClr val="tx1"/>
-                </a:solidFill>
-              </a:rPr>
-              <a:t>M.002 </a:t>
-            </a:r>
-            <a:r>
-              <a:rPr lang="ko-KR" altLang="en-US" sz="3200" dirty="0">
-                <a:solidFill>
-                  <a:schemeClr val="tx1"/>
-                </a:solidFill>
-              </a:rPr>
-              <a:t>준비 화면</a:t>
-            </a:r>
-            <a:endParaRPr lang="en-US" altLang="ko-KR" sz="3200" dirty="0">
-              <a:solidFill>
-                <a:schemeClr val="tx1"/>
-              </a:solidFill>
-            </a:endParaRPr>
+              <a:t> 화면</a:t>
+            </a:r>
           </a:p>
         </p:txBody>
       </p:sp>
@@ -3867,7 +3597,7 @@
                   <a:srgbClr val="FF0000"/>
                 </a:solidFill>
               </a:rPr>
-              <a:t>설명</a:t>
+              <a:t>기능</a:t>
             </a:r>
             <a:endParaRPr lang="en-US" altLang="ko-KR" dirty="0">
               <a:solidFill>
@@ -3880,228 +3610,7 @@
     </p:spTree>
     <p:extLst>
       <p:ext uri="{BB962C8B-B14F-4D97-AF65-F5344CB8AC3E}">
-        <p14:creationId xmlns:p14="http://schemas.microsoft.com/office/powerpoint/2010/main" val="2108159418"/>
-      </p:ext>
-    </p:extLst>
-  </p:cSld>
-  <p:clrMapOvr>
-    <a:masterClrMapping/>
-  </p:clrMapOvr>
-</p:sld>
-</file>
-
-<file path=ppt/slides/slide4.xml><?xml version="1.0" encoding="utf-8"?>
-<p:sld xmlns:a="http://schemas.openxmlformats.org/drawingml/2006/main" xmlns:r="http://schemas.openxmlformats.org/officeDocument/2006/relationships" xmlns:p="http://schemas.openxmlformats.org/presentationml/2006/main">
-  <p:cSld>
-    <p:spTree>
-      <p:nvGrpSpPr>
-        <p:cNvPr id="1" name=""/>
-        <p:cNvGrpSpPr/>
-        <p:nvPr/>
-      </p:nvGrpSpPr>
-      <p:grpSpPr>
-        <a:xfrm>
-          <a:off x="0" y="0"/>
-          <a:ext cx="0" cy="0"/>
-          <a:chOff x="0" y="0"/>
-          <a:chExt cx="0" cy="0"/>
-        </a:xfrm>
-      </p:grpSpPr>
-      <p:sp>
-        <p:nvSpPr>
-          <p:cNvPr id="4" name="직사각형 3">
-            <a:extLst>
-              <a:ext uri="{FF2B5EF4-FFF2-40B4-BE49-F238E27FC236}">
-                <a16:creationId xmlns:a16="http://schemas.microsoft.com/office/drawing/2014/main" id="{AB82F29E-6727-4232-9750-081ACD31342C}"/>
-              </a:ext>
-            </a:extLst>
-          </p:cNvPr>
-          <p:cNvSpPr/>
-          <p:nvPr/>
-        </p:nvSpPr>
-        <p:spPr>
-          <a:xfrm>
-            <a:off x="9303026" y="842481"/>
-            <a:ext cx="2888974" cy="6015519"/>
-          </a:xfrm>
-          <a:prstGeom prst="rect">
-            <a:avLst/>
-          </a:prstGeom>
-          <a:noFill/>
-          <a:ln>
-            <a:solidFill>
-              <a:schemeClr val="tx1"/>
-            </a:solidFill>
-          </a:ln>
-        </p:spPr>
-        <p:style>
-          <a:lnRef idx="2">
-            <a:schemeClr val="accent1">
-              <a:shade val="50000"/>
-            </a:schemeClr>
-          </a:lnRef>
-          <a:fillRef idx="1">
-            <a:schemeClr val="accent1"/>
-          </a:fillRef>
-          <a:effectRef idx="0">
-            <a:schemeClr val="accent1"/>
-          </a:effectRef>
-          <a:fontRef idx="minor">
-            <a:schemeClr val="lt1"/>
-          </a:fontRef>
-        </p:style>
-        <p:txBody>
-          <a:bodyPr rtlCol="0" anchor="b"/>
-          <a:lstStyle/>
-          <a:p>
-            <a:pPr algn="l">
-              <a:lnSpc>
-                <a:spcPct val="200000"/>
-              </a:lnSpc>
-            </a:pPr>
-            <a:endParaRPr lang="ko-KR" altLang="en-US" dirty="0">
-              <a:solidFill>
-                <a:schemeClr val="tx1"/>
-              </a:solidFill>
-            </a:endParaRPr>
-          </a:p>
-        </p:txBody>
-      </p:sp>
-      <p:sp>
-        <p:nvSpPr>
-          <p:cNvPr id="5" name="직사각형 4">
-            <a:extLst>
-              <a:ext uri="{FF2B5EF4-FFF2-40B4-BE49-F238E27FC236}">
-                <a16:creationId xmlns:a16="http://schemas.microsoft.com/office/drawing/2014/main" id="{9D98C250-4997-4443-A17C-CD58BC4CA7A8}"/>
-              </a:ext>
-            </a:extLst>
-          </p:cNvPr>
-          <p:cNvSpPr/>
-          <p:nvPr/>
-        </p:nvSpPr>
-        <p:spPr>
-          <a:xfrm>
-            <a:off x="0" y="0"/>
-            <a:ext cx="12192000" cy="842481"/>
-          </a:xfrm>
-          <a:prstGeom prst="rect">
-            <a:avLst/>
-          </a:prstGeom>
-          <a:noFill/>
-          <a:ln>
-            <a:solidFill>
-              <a:schemeClr val="tx1"/>
-            </a:solidFill>
-          </a:ln>
-        </p:spPr>
-        <p:style>
-          <a:lnRef idx="2">
-            <a:schemeClr val="accent1">
-              <a:shade val="50000"/>
-            </a:schemeClr>
-          </a:lnRef>
-          <a:fillRef idx="1">
-            <a:schemeClr val="accent1"/>
-          </a:fillRef>
-          <a:effectRef idx="0">
-            <a:schemeClr val="accent1"/>
-          </a:effectRef>
-          <a:fontRef idx="minor">
-            <a:schemeClr val="lt1"/>
-          </a:fontRef>
-        </p:style>
-        <p:txBody>
-          <a:bodyPr rtlCol="0" anchor="b"/>
-          <a:lstStyle/>
-          <a:p>
-            <a:pPr algn="l">
-              <a:lnSpc>
-                <a:spcPct val="150000"/>
-              </a:lnSpc>
-            </a:pPr>
-            <a:r>
-              <a:rPr lang="en-US" altLang="ko-KR" sz="3200" dirty="0">
-                <a:solidFill>
-                  <a:schemeClr val="tx1"/>
-                </a:solidFill>
-              </a:rPr>
-              <a:t>M</a:t>
-            </a:r>
-            <a:r>
-              <a:rPr lang="en-US" altLang="ko-KR" sz="3200">
-                <a:solidFill>
-                  <a:schemeClr val="tx1"/>
-                </a:solidFill>
-              </a:rPr>
-              <a:t>.003 </a:t>
-            </a:r>
-            <a:r>
-              <a:rPr lang="ko-KR" altLang="en-US" sz="3200" dirty="0">
-                <a:solidFill>
-                  <a:schemeClr val="tx1"/>
-                </a:solidFill>
-              </a:rPr>
-              <a:t>설정 화면</a:t>
-            </a:r>
-            <a:endParaRPr lang="en-US" altLang="ko-KR" sz="3200" dirty="0">
-              <a:solidFill>
-                <a:schemeClr val="tx1"/>
-              </a:solidFill>
-            </a:endParaRPr>
-          </a:p>
-        </p:txBody>
-      </p:sp>
-      <p:sp>
-        <p:nvSpPr>
-          <p:cNvPr id="6" name="TextBox 5">
-            <a:extLst>
-              <a:ext uri="{FF2B5EF4-FFF2-40B4-BE49-F238E27FC236}">
-                <a16:creationId xmlns:a16="http://schemas.microsoft.com/office/drawing/2014/main" id="{6BDFCE3C-F02A-483D-B18B-89221DA60F6B}"/>
-              </a:ext>
-            </a:extLst>
-          </p:cNvPr>
-          <p:cNvSpPr txBox="1"/>
-          <p:nvPr/>
-        </p:nvSpPr>
-        <p:spPr>
-          <a:xfrm>
-            <a:off x="9303026" y="946298"/>
-            <a:ext cx="992579" cy="369332"/>
-          </a:xfrm>
-          <a:prstGeom prst="rect">
-            <a:avLst/>
-          </a:prstGeom>
-          <a:noFill/>
-        </p:spPr>
-        <p:txBody>
-          <a:bodyPr wrap="none" rtlCol="0">
-            <a:spAutoFit/>
-          </a:bodyPr>
-          <a:lstStyle/>
-          <a:p>
-            <a:pPr marL="342900" indent="-342900">
-              <a:buAutoNum type="arabicPeriod"/>
-            </a:pPr>
-            <a:r>
-              <a:rPr lang="ko-KR" altLang="en-US" dirty="0">
-                <a:solidFill>
-                  <a:srgbClr val="FF0000"/>
-                </a:solidFill>
-              </a:rPr>
-              <a:t>설명</a:t>
-            </a:r>
-            <a:endParaRPr lang="en-US" altLang="ko-KR" dirty="0">
-              <a:solidFill>
-                <a:srgbClr val="FF0000"/>
-              </a:solidFill>
-            </a:endParaRPr>
-          </a:p>
-        </p:txBody>
-      </p:sp>
-    </p:spTree>
-    <p:extLst>
-      <p:ext uri="{BB962C8B-B14F-4D97-AF65-F5344CB8AC3E}">
-        <p14:creationId xmlns:p14="http://schemas.microsoft.com/office/powerpoint/2010/main" val="3049905035"/>
+        <p14:creationId xmlns:p14="http://schemas.microsoft.com/office/powerpoint/2010/main" val="1528453822"/>
       </p:ext>
     </p:extLst>
   </p:cSld>
